--- a/html.pptx
+++ b/html.pptx
@@ -5,12 +5,14 @@
     <p:sldMasterId id="2147483648" r:id="rId1"/>
   </p:sldMasterIdLst>
   <p:notesMasterIdLst>
-    <p:notesMasterId r:id="rId5"/>
+    <p:notesMasterId r:id="rId7"/>
   </p:notesMasterIdLst>
   <p:sldIdLst>
     <p:sldId id="256" r:id="rId2"/>
     <p:sldId id="257" r:id="rId3"/>
     <p:sldId id="258" r:id="rId4"/>
+    <p:sldId id="259" r:id="rId5"/>
+    <p:sldId id="260" r:id="rId6"/>
   </p:sldIdLst>
   <p:sldSz cx="12192000" cy="6858000"/>
   <p:notesSz cx="6858000" cy="9144000"/>
@@ -109,6 +111,11 @@
       </a:defRPr>
     </a:lvl9pPr>
   </p:defaultTextStyle>
+  <p:extLst>
+    <p:ext uri="{EFAFB233-063F-42B5-8137-9DF3F51BA10A}">
+      <p15:sldGuideLst xmlns:p15="http://schemas.microsoft.com/office/powerpoint/2012/main"/>
+    </p:ext>
+  </p:extLst>
 </p:presentation>
 </file>
 
@@ -194,7 +201,7 @@
           <a:p>
             <a:fld id="{2001F365-A058-BC44-9734-A16052D26532}" type="datetimeFigureOut">
               <a:rPr kumimoji="1" lang="zh-TW" altLang="en-US" smtClean="0"/>
-              <a:t>2021/9/10</a:t>
+              <a:t>2021/9/12</a:t>
             </a:fld>
             <a:endParaRPr kumimoji="1" lang="zh-TW" altLang="en-US"/>
           </a:p>
@@ -757,7 +764,7 @@
           <a:p>
             <a:fld id="{CC31C61A-99F9-F84E-9F04-8A0CEDD781BE}" type="datetimeFigureOut">
               <a:rPr kumimoji="1" lang="zh-TW" altLang="en-US" smtClean="0"/>
-              <a:t>2021/9/10</a:t>
+              <a:t>2021/9/12</a:t>
             </a:fld>
             <a:endParaRPr kumimoji="1" lang="zh-TW" altLang="en-US"/>
           </a:p>
@@ -955,7 +962,7 @@
           <a:p>
             <a:fld id="{CC31C61A-99F9-F84E-9F04-8A0CEDD781BE}" type="datetimeFigureOut">
               <a:rPr kumimoji="1" lang="zh-TW" altLang="en-US" smtClean="0"/>
-              <a:t>2021/9/10</a:t>
+              <a:t>2021/9/12</a:t>
             </a:fld>
             <a:endParaRPr kumimoji="1" lang="zh-TW" altLang="en-US"/>
           </a:p>
@@ -1163,7 +1170,7 @@
           <a:p>
             <a:fld id="{CC31C61A-99F9-F84E-9F04-8A0CEDD781BE}" type="datetimeFigureOut">
               <a:rPr kumimoji="1" lang="zh-TW" altLang="en-US" smtClean="0"/>
-              <a:t>2021/9/10</a:t>
+              <a:t>2021/9/12</a:t>
             </a:fld>
             <a:endParaRPr kumimoji="1" lang="zh-TW" altLang="en-US"/>
           </a:p>
@@ -1361,7 +1368,7 @@
           <a:p>
             <a:fld id="{CC31C61A-99F9-F84E-9F04-8A0CEDD781BE}" type="datetimeFigureOut">
               <a:rPr kumimoji="1" lang="zh-TW" altLang="en-US" smtClean="0"/>
-              <a:t>2021/9/10</a:t>
+              <a:t>2021/9/12</a:t>
             </a:fld>
             <a:endParaRPr kumimoji="1" lang="zh-TW" altLang="en-US"/>
           </a:p>
@@ -1636,7 +1643,7 @@
           <a:p>
             <a:fld id="{CC31C61A-99F9-F84E-9F04-8A0CEDD781BE}" type="datetimeFigureOut">
               <a:rPr kumimoji="1" lang="zh-TW" altLang="en-US" smtClean="0"/>
-              <a:t>2021/9/10</a:t>
+              <a:t>2021/9/12</a:t>
             </a:fld>
             <a:endParaRPr kumimoji="1" lang="zh-TW" altLang="en-US"/>
           </a:p>
@@ -1901,7 +1908,7 @@
           <a:p>
             <a:fld id="{CC31C61A-99F9-F84E-9F04-8A0CEDD781BE}" type="datetimeFigureOut">
               <a:rPr kumimoji="1" lang="zh-TW" altLang="en-US" smtClean="0"/>
-              <a:t>2021/9/10</a:t>
+              <a:t>2021/9/12</a:t>
             </a:fld>
             <a:endParaRPr kumimoji="1" lang="zh-TW" altLang="en-US"/>
           </a:p>
@@ -2313,7 +2320,7 @@
           <a:p>
             <a:fld id="{CC31C61A-99F9-F84E-9F04-8A0CEDD781BE}" type="datetimeFigureOut">
               <a:rPr kumimoji="1" lang="zh-TW" altLang="en-US" smtClean="0"/>
-              <a:t>2021/9/10</a:t>
+              <a:t>2021/9/12</a:t>
             </a:fld>
             <a:endParaRPr kumimoji="1" lang="zh-TW" altLang="en-US"/>
           </a:p>
@@ -2454,7 +2461,7 @@
           <a:p>
             <a:fld id="{CC31C61A-99F9-F84E-9F04-8A0CEDD781BE}" type="datetimeFigureOut">
               <a:rPr kumimoji="1" lang="zh-TW" altLang="en-US" smtClean="0"/>
-              <a:t>2021/9/10</a:t>
+              <a:t>2021/9/12</a:t>
             </a:fld>
             <a:endParaRPr kumimoji="1" lang="zh-TW" altLang="en-US"/>
           </a:p>
@@ -2567,7 +2574,7 @@
           <a:p>
             <a:fld id="{CC31C61A-99F9-F84E-9F04-8A0CEDD781BE}" type="datetimeFigureOut">
               <a:rPr kumimoji="1" lang="zh-TW" altLang="en-US" smtClean="0"/>
-              <a:t>2021/9/10</a:t>
+              <a:t>2021/9/12</a:t>
             </a:fld>
             <a:endParaRPr kumimoji="1" lang="zh-TW" altLang="en-US"/>
           </a:p>
@@ -2878,7 +2885,7 @@
           <a:p>
             <a:fld id="{CC31C61A-99F9-F84E-9F04-8A0CEDD781BE}" type="datetimeFigureOut">
               <a:rPr kumimoji="1" lang="zh-TW" altLang="en-US" smtClean="0"/>
-              <a:t>2021/9/10</a:t>
+              <a:t>2021/9/12</a:t>
             </a:fld>
             <a:endParaRPr kumimoji="1" lang="zh-TW" altLang="en-US"/>
           </a:p>
@@ -3166,7 +3173,7 @@
           <a:p>
             <a:fld id="{CC31C61A-99F9-F84E-9F04-8A0CEDD781BE}" type="datetimeFigureOut">
               <a:rPr kumimoji="1" lang="zh-TW" altLang="en-US" smtClean="0"/>
-              <a:t>2021/9/10</a:t>
+              <a:t>2021/9/12</a:t>
             </a:fld>
             <a:endParaRPr kumimoji="1" lang="zh-TW" altLang="en-US"/>
           </a:p>
@@ -3407,7 +3414,7 @@
           <a:p>
             <a:fld id="{CC31C61A-99F9-F84E-9F04-8A0CEDD781BE}" type="datetimeFigureOut">
               <a:rPr kumimoji="1" lang="zh-TW" altLang="en-US" smtClean="0"/>
-              <a:t>2021/9/10</a:t>
+              <a:t>2021/9/12</a:t>
             </a:fld>
             <a:endParaRPr kumimoji="1" lang="zh-TW" altLang="en-US"/>
           </a:p>
@@ -4130,6 +4137,359 @@
     <p:extLst>
       <p:ext uri="{BB962C8B-B14F-4D97-AF65-F5344CB8AC3E}">
         <p14:creationId xmlns:p14="http://schemas.microsoft.com/office/powerpoint/2010/main" val="3799675322"/>
+      </p:ext>
+    </p:extLst>
+  </p:cSld>
+  <p:clrMapOvr>
+    <a:masterClrMapping/>
+  </p:clrMapOvr>
+</p:sld>
+</file>
+
+<file path=ppt/slides/slide4.xml><?xml version="1.0" encoding="utf-8"?>
+<p:sld xmlns:a="http://schemas.openxmlformats.org/drawingml/2006/main" xmlns:r="http://schemas.openxmlformats.org/officeDocument/2006/relationships" xmlns:p="http://schemas.openxmlformats.org/presentationml/2006/main">
+  <p:cSld>
+    <p:spTree>
+      <p:nvGrpSpPr>
+        <p:cNvPr id="1" name=""/>
+        <p:cNvGrpSpPr/>
+        <p:nvPr/>
+      </p:nvGrpSpPr>
+      <p:grpSpPr>
+        <a:xfrm>
+          <a:off x="0" y="0"/>
+          <a:ext cx="0" cy="0"/>
+          <a:chOff x="0" y="0"/>
+          <a:chExt cx="0" cy="0"/>
+        </a:xfrm>
+      </p:grpSpPr>
+      <p:sp>
+        <p:nvSpPr>
+          <p:cNvPr id="2" name="標題 1">
+            <a:extLst>
+              <a:ext uri="{FF2B5EF4-FFF2-40B4-BE49-F238E27FC236}">
+                <a16:creationId xmlns:a16="http://schemas.microsoft.com/office/drawing/2014/main" id="{E293F1D8-6B89-B344-9407-234F6CDF5396}"/>
+              </a:ext>
+            </a:extLst>
+          </p:cNvPr>
+          <p:cNvSpPr>
+            <a:spLocks noGrp="1"/>
+          </p:cNvSpPr>
+          <p:nvPr>
+            <p:ph type="title"/>
+          </p:nvPr>
+        </p:nvSpPr>
+        <p:spPr/>
+        <p:txBody>
+          <a:bodyPr/>
+          <a:lstStyle/>
+          <a:p>
+            <a:r>
+              <a:rPr kumimoji="1" lang="en-US" altLang="zh-TW" dirty="0"/>
+              <a:t>CSS</a:t>
+            </a:r>
+            <a:r>
+              <a:rPr kumimoji="1" lang="zh-TW" altLang="en-US" dirty="0"/>
+              <a:t> </a:t>
+            </a:r>
+            <a:r>
+              <a:rPr kumimoji="1" lang="en-US" altLang="zh-TW" dirty="0"/>
+              <a:t>Syntax</a:t>
+            </a:r>
+            <a:endParaRPr kumimoji="1" lang="zh-TW" altLang="en-US" dirty="0"/>
+          </a:p>
+        </p:txBody>
+      </p:sp>
+      <p:sp>
+        <p:nvSpPr>
+          <p:cNvPr id="3" name="內容版面配置區 2">
+            <a:extLst>
+              <a:ext uri="{FF2B5EF4-FFF2-40B4-BE49-F238E27FC236}">
+                <a16:creationId xmlns:a16="http://schemas.microsoft.com/office/drawing/2014/main" id="{CA5642C0-7CB8-344D-AF08-4007A6CCAF9D}"/>
+              </a:ext>
+            </a:extLst>
+          </p:cNvPr>
+          <p:cNvSpPr>
+            <a:spLocks noGrp="1"/>
+          </p:cNvSpPr>
+          <p:nvPr>
+            <p:ph idx="1"/>
+          </p:nvPr>
+        </p:nvSpPr>
+        <p:spPr/>
+        <p:txBody>
+          <a:bodyPr>
+            <a:normAutofit lnSpcReduction="10000"/>
+          </a:bodyPr>
+          <a:lstStyle/>
+          <a:p>
+            <a:r>
+              <a:rPr kumimoji="1" lang="zh-TW" altLang="en-US" dirty="0"/>
+              <a:t>階層樣式表</a:t>
+            </a:r>
+            <a:endParaRPr kumimoji="1" lang="en-US" altLang="zh-TW" dirty="0"/>
+          </a:p>
+          <a:p>
+            <a:r>
+              <a:rPr kumimoji="1" lang="en-US" altLang="zh-TW" dirty="0"/>
+              <a:t>Internal styling</a:t>
+            </a:r>
+            <a:br>
+              <a:rPr kumimoji="1" lang="en-US" altLang="zh-TW" dirty="0"/>
+            </a:br>
+            <a:r>
+              <a:rPr kumimoji="1" lang="en-US" altLang="zh-TW" dirty="0"/>
+              <a:t>&lt;style&gt;</a:t>
+            </a:r>
+          </a:p>
+          <a:p>
+            <a:pPr marL="0" indent="0">
+              <a:buNone/>
+            </a:pPr>
+            <a:r>
+              <a:rPr kumimoji="1" lang="en-US" altLang="zh-TW" dirty="0"/>
+              <a:t>h1{</a:t>
+            </a:r>
+          </a:p>
+          <a:p>
+            <a:pPr marL="0" indent="0">
+              <a:buNone/>
+            </a:pPr>
+            <a:r>
+              <a:rPr kumimoji="1" lang="en-US" altLang="zh-TW" dirty="0"/>
+              <a:t>	</a:t>
+            </a:r>
+            <a:r>
+              <a:rPr kumimoji="1" lang="en-US" altLang="zh-TW" dirty="0" err="1"/>
+              <a:t>color:coral</a:t>
+            </a:r>
+            <a:r>
+              <a:rPr kumimoji="1" lang="en-US" altLang="zh-TW" dirty="0"/>
+              <a:t>;</a:t>
+            </a:r>
+          </a:p>
+          <a:p>
+            <a:pPr marL="0" indent="0">
+              <a:buNone/>
+            </a:pPr>
+            <a:r>
+              <a:rPr kumimoji="1" lang="en-US" altLang="zh-TW" dirty="0"/>
+              <a:t>}</a:t>
+            </a:r>
+          </a:p>
+          <a:p>
+            <a:pPr marL="0" indent="0">
+              <a:buNone/>
+            </a:pPr>
+            <a:r>
+              <a:rPr kumimoji="1" lang="en-US" altLang="zh-TW" dirty="0"/>
+              <a:t>&lt;/style&gt;</a:t>
+            </a:r>
+          </a:p>
+          <a:p>
+            <a:r>
+              <a:rPr kumimoji="1" lang="en-US" altLang="zh-TW" dirty="0"/>
+              <a:t>External styling</a:t>
+            </a:r>
+          </a:p>
+          <a:p>
+            <a:pPr marL="0" indent="0">
+              <a:buNone/>
+            </a:pPr>
+            <a:r>
+              <a:rPr kumimoji="1" lang="en-US" altLang="zh-TW" dirty="0"/>
+              <a:t>&lt;link </a:t>
+            </a:r>
+            <a:r>
+              <a:rPr kumimoji="1" lang="en-US" altLang="zh-TW" dirty="0" err="1"/>
+              <a:t>rel</a:t>
+            </a:r>
+            <a:r>
+              <a:rPr kumimoji="1" lang="en-US" altLang="zh-TW" dirty="0"/>
+              <a:t>=“stylesheet” </a:t>
+            </a:r>
+            <a:r>
+              <a:rPr kumimoji="1" lang="en-US" altLang="zh-TW" dirty="0" err="1"/>
+              <a:t>href</a:t>
+            </a:r>
+            <a:r>
+              <a:rPr kumimoji="1" lang="en-US" altLang="zh-TW" dirty="0"/>
+              <a:t>=“./</a:t>
+            </a:r>
+            <a:r>
+              <a:rPr kumimoji="1" lang="en-US" altLang="zh-TW" dirty="0" err="1"/>
+              <a:t>style.css</a:t>
+            </a:r>
+            <a:r>
+              <a:rPr kumimoji="1" lang="en-US" altLang="zh-TW" dirty="0"/>
+              <a:t>”/&gt;</a:t>
+            </a:r>
+            <a:endParaRPr kumimoji="1" lang="zh-TW" altLang="en-US" dirty="0"/>
+          </a:p>
+        </p:txBody>
+      </p:sp>
+    </p:spTree>
+    <p:extLst>
+      <p:ext uri="{BB962C8B-B14F-4D97-AF65-F5344CB8AC3E}">
+        <p14:creationId xmlns:p14="http://schemas.microsoft.com/office/powerpoint/2010/main" val="1371742127"/>
+      </p:ext>
+    </p:extLst>
+  </p:cSld>
+  <p:clrMapOvr>
+    <a:masterClrMapping/>
+  </p:clrMapOvr>
+</p:sld>
+</file>
+
+<file path=ppt/slides/slide5.xml><?xml version="1.0" encoding="utf-8"?>
+<p:sld xmlns:a="http://schemas.openxmlformats.org/drawingml/2006/main" xmlns:r="http://schemas.openxmlformats.org/officeDocument/2006/relationships" xmlns:p="http://schemas.openxmlformats.org/presentationml/2006/main">
+  <p:cSld>
+    <p:spTree>
+      <p:nvGrpSpPr>
+        <p:cNvPr id="1" name=""/>
+        <p:cNvGrpSpPr/>
+        <p:nvPr/>
+      </p:nvGrpSpPr>
+      <p:grpSpPr>
+        <a:xfrm>
+          <a:off x="0" y="0"/>
+          <a:ext cx="0" cy="0"/>
+          <a:chOff x="0" y="0"/>
+          <a:chExt cx="0" cy="0"/>
+        </a:xfrm>
+      </p:grpSpPr>
+      <p:sp>
+        <p:nvSpPr>
+          <p:cNvPr id="2" name="標題 1">
+            <a:extLst>
+              <a:ext uri="{FF2B5EF4-FFF2-40B4-BE49-F238E27FC236}">
+                <a16:creationId xmlns:a16="http://schemas.microsoft.com/office/drawing/2014/main" id="{B9832F81-41EA-DF4C-9897-C60A0D448F68}"/>
+              </a:ext>
+            </a:extLst>
+          </p:cNvPr>
+          <p:cNvSpPr>
+            <a:spLocks noGrp="1"/>
+          </p:cNvSpPr>
+          <p:nvPr>
+            <p:ph type="title"/>
+          </p:nvPr>
+        </p:nvSpPr>
+        <p:spPr/>
+        <p:txBody>
+          <a:bodyPr/>
+          <a:lstStyle/>
+          <a:p>
+            <a:r>
+              <a:rPr kumimoji="1" lang="en-US" altLang="zh-TW" dirty="0"/>
+              <a:t>CSS Selectors</a:t>
+            </a:r>
+            <a:endParaRPr kumimoji="1" lang="zh-TW" altLang="en-US" dirty="0"/>
+          </a:p>
+        </p:txBody>
+      </p:sp>
+      <p:sp>
+        <p:nvSpPr>
+          <p:cNvPr id="3" name="內容版面配置區 2">
+            <a:extLst>
+              <a:ext uri="{FF2B5EF4-FFF2-40B4-BE49-F238E27FC236}">
+                <a16:creationId xmlns:a16="http://schemas.microsoft.com/office/drawing/2014/main" id="{3432010A-0B68-3A4E-B7FA-F0848B2F1A40}"/>
+              </a:ext>
+            </a:extLst>
+          </p:cNvPr>
+          <p:cNvSpPr>
+            <a:spLocks noGrp="1"/>
+          </p:cNvSpPr>
+          <p:nvPr>
+            <p:ph idx="1"/>
+          </p:nvPr>
+        </p:nvSpPr>
+        <p:spPr/>
+        <p:txBody>
+          <a:bodyPr/>
+          <a:lstStyle/>
+          <a:p>
+            <a:r>
+              <a:rPr kumimoji="1" lang="en-US" altLang="zh-TW" dirty="0"/>
+              <a:t>Universal Selector =&gt; *{ </a:t>
+            </a:r>
+            <a:r>
+              <a:rPr kumimoji="1" lang="en-US" altLang="zh-TW" dirty="0" err="1"/>
+              <a:t>color:pink</a:t>
+            </a:r>
+            <a:r>
+              <a:rPr kumimoji="1" lang="en-US" altLang="zh-TW" dirty="0"/>
+              <a:t>;}</a:t>
+            </a:r>
+          </a:p>
+          <a:p>
+            <a:r>
+              <a:rPr kumimoji="1" lang="en-US" altLang="zh-TW" dirty="0"/>
+              <a:t>Element Selector =&gt; h1 {}</a:t>
+            </a:r>
+          </a:p>
+          <a:p>
+            <a:r>
+              <a:rPr kumimoji="1" lang="en-US" altLang="zh-TW" dirty="0"/>
+              <a:t>ID Selector =&gt;  #id {}</a:t>
+            </a:r>
+          </a:p>
+          <a:p>
+            <a:r>
+              <a:rPr kumimoji="1" lang="en-US" altLang="zh-TW" dirty="0"/>
+              <a:t>Class Selector </a:t>
+            </a:r>
+            <a:r>
+              <a:rPr kumimoji="1" lang="en-US" altLang="zh-TW" dirty="0">
+                <a:sym typeface="Wingdings" pitchFamily="2" charset="2"/>
+              </a:rPr>
+              <a:t>=&gt; .class {}</a:t>
+            </a:r>
+          </a:p>
+          <a:p>
+            <a:r>
+              <a:rPr kumimoji="1" lang="en-US" altLang="zh-TW" dirty="0">
+                <a:sym typeface="Wingdings" pitchFamily="2" charset="2"/>
+              </a:rPr>
+              <a:t>Grouping selector =&gt;h1 h2{}</a:t>
+            </a:r>
+          </a:p>
+          <a:p>
+            <a:r>
+              <a:rPr kumimoji="1" lang="en-US" altLang="zh-TW" dirty="0">
+                <a:sym typeface="Wingdings" pitchFamily="2" charset="2"/>
+              </a:rPr>
+              <a:t>Descendant selector=&gt;</a:t>
+            </a:r>
+            <a:r>
+              <a:rPr kumimoji="1" lang="en-US" altLang="zh-TW" dirty="0" err="1">
+                <a:sym typeface="Wingdings" pitchFamily="2" charset="2"/>
+              </a:rPr>
+              <a:t>div.test</a:t>
+            </a:r>
+            <a:r>
+              <a:rPr kumimoji="1" lang="en-US" altLang="zh-TW" dirty="0">
+                <a:sym typeface="Wingdings" pitchFamily="2" charset="2"/>
+              </a:rPr>
+              <a:t> a{}</a:t>
+            </a:r>
+          </a:p>
+          <a:p>
+            <a:r>
+              <a:rPr kumimoji="1" lang="en-US" altLang="zh-TW" dirty="0">
+                <a:sym typeface="Wingdings" pitchFamily="2" charset="2"/>
+              </a:rPr>
+              <a:t>Attribute selector=&gt;input[type=“text”]{}</a:t>
+            </a:r>
+          </a:p>
+          <a:p>
+            <a:endParaRPr kumimoji="1" lang="zh-TW" altLang="en-US" dirty="0"/>
+          </a:p>
+        </p:txBody>
+      </p:sp>
+    </p:spTree>
+    <p:extLst>
+      <p:ext uri="{BB962C8B-B14F-4D97-AF65-F5344CB8AC3E}">
+        <p14:creationId xmlns:p14="http://schemas.microsoft.com/office/powerpoint/2010/main" val="2061279637"/>
       </p:ext>
     </p:extLst>
   </p:cSld>
